--- a/Project 1 Group 4 PPT.pptx
+++ b/Project 1 Group 4 PPT.pptx
@@ -3791,12 +3791,61 @@
           <a:chExt cx="0" cy="0"/>
         </a:xfrm>
       </p:grpSpPr>
+      <p:sp>
+        <p:nvSpPr>
+          <p:cNvPr id="2" name="Title 1">
+            <a:extLst>
+              <a:ext uri="{FF2B5EF4-FFF2-40B4-BE49-F238E27FC236}">
+                <a16:creationId xmlns:a16="http://schemas.microsoft.com/office/drawing/2014/main" id="{8A8D9211-E78B-4E4F-BB59-335B5D18A8B6}"/>
+              </a:ext>
+            </a:extLst>
+          </p:cNvPr>
+          <p:cNvSpPr>
+            <a:spLocks noGrp="1"/>
+          </p:cNvSpPr>
+          <p:nvPr>
+            <p:ph type="title"/>
+          </p:nvPr>
+        </p:nvSpPr>
+        <p:spPr>
+          <a:xfrm>
+            <a:off x="261553" y="475252"/>
+            <a:ext cx="4243772" cy="1026577"/>
+          </a:xfrm>
+        </p:spPr>
+        <p:style>
+          <a:lnRef idx="2">
+            <a:schemeClr val="dk1"/>
+          </a:lnRef>
+          <a:fillRef idx="1">
+            <a:schemeClr val="lt1"/>
+          </a:fillRef>
+          <a:effectRef idx="0">
+            <a:schemeClr val="dk1"/>
+          </a:effectRef>
+          <a:fontRef idx="minor">
+            <a:schemeClr val="dk1"/>
+          </a:fontRef>
+        </p:style>
+        <p:txBody>
+          <a:bodyPr/>
+          <a:lstStyle/>
+          <a:p>
+            <a:r>
+              <a:rPr lang="en-US" b="1" dirty="0">
+                <a:latin typeface="Agency FB" panose="020B0503020202020204" pitchFamily="34" charset="0"/>
+              </a:rPr>
+              <a:t>Education vs. Income</a:t>
+            </a:r>
+          </a:p>
+        </p:txBody>
+      </p:sp>
       <p:pic>
         <p:nvPicPr>
-          <p:cNvPr id="9" name="Picture 8">
-            <a:extLst>
-              <a:ext uri="{FF2B5EF4-FFF2-40B4-BE49-F238E27FC236}">
-                <a16:creationId xmlns:a16="http://schemas.microsoft.com/office/drawing/2014/main" id="{6A469EB7-DFAE-4176-983C-704D1DE1B653}"/>
+          <p:cNvPr id="4" name="Picture 3">
+            <a:extLst>
+              <a:ext uri="{FF2B5EF4-FFF2-40B4-BE49-F238E27FC236}">
+                <a16:creationId xmlns:a16="http://schemas.microsoft.com/office/drawing/2014/main" id="{78C700E2-BFEF-4637-96D5-8579098EA5CE}"/>
               </a:ext>
             </a:extLst>
           </p:cNvPr>
@@ -3841,61 +3890,12 @@
           </a:fontRef>
         </p:style>
       </p:pic>
-      <p:sp>
-        <p:nvSpPr>
-          <p:cNvPr id="2" name="Title 1">
-            <a:extLst>
-              <a:ext uri="{FF2B5EF4-FFF2-40B4-BE49-F238E27FC236}">
-                <a16:creationId xmlns:a16="http://schemas.microsoft.com/office/drawing/2014/main" id="{8A8D9211-E78B-4E4F-BB59-335B5D18A8B6}"/>
-              </a:ext>
-            </a:extLst>
-          </p:cNvPr>
-          <p:cNvSpPr>
-            <a:spLocks noGrp="1"/>
-          </p:cNvSpPr>
-          <p:nvPr>
-            <p:ph type="title"/>
-          </p:nvPr>
-        </p:nvSpPr>
-        <p:spPr>
-          <a:xfrm>
-            <a:off x="261553" y="475252"/>
-            <a:ext cx="4243772" cy="1026577"/>
-          </a:xfrm>
-        </p:spPr>
-        <p:style>
-          <a:lnRef idx="2">
-            <a:schemeClr val="dk1"/>
-          </a:lnRef>
-          <a:fillRef idx="1">
-            <a:schemeClr val="lt1"/>
-          </a:fillRef>
-          <a:effectRef idx="0">
-            <a:schemeClr val="dk1"/>
-          </a:effectRef>
-          <a:fontRef idx="minor">
-            <a:schemeClr val="dk1"/>
-          </a:fontRef>
-        </p:style>
-        <p:txBody>
-          <a:bodyPr/>
-          <a:lstStyle/>
-          <a:p>
-            <a:r>
-              <a:rPr lang="en-US" b="1" dirty="0">
-                <a:latin typeface="Agency FB" panose="020B0503020202020204" pitchFamily="34" charset="0"/>
-              </a:rPr>
-              <a:t>Education vs. Income</a:t>
-            </a:r>
-          </a:p>
-        </p:txBody>
-      </p:sp>
       <p:pic>
         <p:nvPicPr>
-          <p:cNvPr id="5" name="Picture 4">
-            <a:extLst>
-              <a:ext uri="{FF2B5EF4-FFF2-40B4-BE49-F238E27FC236}">
-                <a16:creationId xmlns:a16="http://schemas.microsoft.com/office/drawing/2014/main" id="{FADE4FE0-6DBC-4A8B-9792-30920A7D7385}"/>
+          <p:cNvPr id="7" name="Picture 6">
+            <a:extLst>
+              <a:ext uri="{FF2B5EF4-FFF2-40B4-BE49-F238E27FC236}">
+                <a16:creationId xmlns:a16="http://schemas.microsoft.com/office/drawing/2014/main" id="{BCA14461-ACBC-4E70-BCEC-5B8733D3DA7B}"/>
               </a:ext>
             </a:extLst>
           </p:cNvPr>
@@ -4057,7 +4057,7 @@
         </p:style>
         <p:txBody>
           <a:bodyPr>
-            <a:normAutofit lnSpcReduction="10000"/>
+            <a:normAutofit fontScale="92500" lnSpcReduction="10000"/>
           </a:bodyPr>
           <a:lstStyle/>
           <a:p>
@@ -4074,7 +4074,7 @@
               <a:rPr lang="en-US" dirty="0">
                 <a:latin typeface="Abadi Extra Light" panose="020B0204020104020204" pitchFamily="34" charset="0"/>
               </a:rPr>
-              <a:t>Not a significant difference in income between Bachelors &amp; Masters (P-value = 0.1879)</a:t>
+              <a:t>Not a significant difference in income between Doctorate &amp; Professional School grad (P-value = 0.9299)</a:t>
             </a:r>
           </a:p>
           <a:p>
@@ -4118,7 +4118,7 @@
               <a:rPr lang="en-US" dirty="0">
                 <a:latin typeface="Abadi Extra Light" panose="020B0204020104020204" pitchFamily="34" charset="0"/>
               </a:rPr>
-              <a:t>Education level with proportionally the highest income: Bachelors &amp; Masters </a:t>
+              <a:t>Education level with proportionally the highest income: Doctorate &amp; Professional School graduate </a:t>
             </a:r>
           </a:p>
           <a:p>
@@ -6057,7 +6057,7 @@
               <a:rPr lang="en-US" dirty="0">
                 <a:latin typeface="Abadi Extra Light" panose="020B0204020104020204" pitchFamily="34" charset="0"/>
               </a:rPr>
-              <a:t>A White or Asian married male in the age range 40-60 with a Bachelors or Masters degree that is self employed</a:t>
+              <a:t>A White or Asian married male in the age range 40-60 with a PHD or graduated from Professional school that is self employed</a:t>
             </a:r>
           </a:p>
           <a:p>
@@ -6410,7 +6410,7 @@
               <a:rPr lang="en-US" dirty="0">
                 <a:latin typeface="Abadi Extra Light" panose="020B0204020104020204" pitchFamily="34" charset="0"/>
               </a:rPr>
-              <a:t>Left skewed bell curve for proportions above $50k</a:t>
+              <a:t>Proportion of HS grads above $50k is statistically greater than dropouts, proportion of some college above $50k is statistically greater than HS grads, &amp; proportion of Associates above $50k is statistically greater than some college</a:t>
             </a:r>
           </a:p>
           <a:p>
@@ -6419,7 +6419,7 @@
               <a:rPr lang="en-US" dirty="0">
                 <a:latin typeface="Abadi Extra Light" panose="020B0204020104020204" pitchFamily="34" charset="0"/>
               </a:rPr>
-              <a:t>Same proportion of people above $50k for both Associates and doctorate degree</a:t>
+              <a:t>Doctorate and Professional School have by far the highest proportion of people above $50K at ~74%, higher education is the biggest influencing factor to making above $50k?</a:t>
             </a:r>
           </a:p>
           <a:p>
@@ -6428,7 +6428,7 @@
               <a:rPr lang="en-US" dirty="0">
                 <a:latin typeface="Abadi Extra Light" panose="020B0204020104020204" pitchFamily="34" charset="0"/>
               </a:rPr>
-              <a:t>Proportion of HS grads above $50k is statistically greater than dropouts, proportion of some college above $50k is statistically greater than HS grads, &amp; proportion of Associates above $50k is statistically greater than some college</a:t>
+              <a:t>Biggest discrepancy in proportions can be seen in education as well, with ~6% above for dropouts and ~74% above for PHD and professional school. There is a 68% difference(which is the biggest seen), education is the most influential factor overall?</a:t>
             </a:r>
           </a:p>
           <a:p>
